--- a/s2_expr_dispersion_test_gene_set/res.pptx
+++ b/s2_expr_dispersion_test_gene_set/res.pptx
@@ -2,12 +2,12 @@
 <file path=ppt/presentation.xml><?xml version="1.0" encoding="utf-8"?>
 <p:presentation xmlns:a="http://schemas.openxmlformats.org/drawingml/2006/main" xmlns:r="http://schemas.openxmlformats.org/officeDocument/2006/relationships" xmlns:p="http://schemas.openxmlformats.org/presentationml/2006/main" saveSubsetFonts="1">
   <p:sldMasterIdLst>
-    <p:sldMasterId id="2147483660" r:id="rId1"/>
+    <p:sldMasterId id="2147483684" r:id="rId1"/>
   </p:sldMasterIdLst>
   <p:sldIdLst>
     <p:sldId id="256" r:id="rId2"/>
   </p:sldIdLst>
-  <p:sldSz cx="15544800" cy="8229600"/>
+  <p:sldSz cx="6765925" cy="4572000"/>
   <p:notesSz cx="6858000" cy="9144000"/>
   <p:defaultTextStyle>
     <a:defPPr>
@@ -104,6 +104,11 @@
       </a:defRPr>
     </a:lvl9pPr>
   </p:defaultTextStyle>
+  <p:extLst>
+    <p:ext uri="{EFAFB233-063F-42B5-8137-9DF3F51BA10A}">
+      <p15:sldGuideLst xmlns:p15="http://schemas.microsoft.com/office/powerpoint/2012/main"/>
+    </p:ext>
+  </p:extLst>
 </p:presentation>
 </file>
 
@@ -136,15 +141,15 @@
         </p:nvSpPr>
         <p:spPr>
           <a:xfrm>
-            <a:off x="1943100" y="1346836"/>
-            <a:ext cx="11658600" cy="2865120"/>
+            <a:off x="507445" y="748242"/>
+            <a:ext cx="5751036" cy="1591733"/>
           </a:xfrm>
         </p:spPr>
         <p:txBody>
           <a:bodyPr anchor="b"/>
           <a:lstStyle>
             <a:lvl1pPr algn="ctr">
-              <a:defRPr sz="7200"/>
+              <a:defRPr sz="4000"/>
             </a:lvl1pPr>
           </a:lstStyle>
           <a:p>
@@ -168,8 +173,8 @@
         </p:nvSpPr>
         <p:spPr>
           <a:xfrm>
-            <a:off x="1943100" y="4322446"/>
-            <a:ext cx="11658600" cy="1986914"/>
+            <a:off x="845741" y="2401359"/>
+            <a:ext cx="5074444" cy="1103841"/>
           </a:xfrm>
         </p:spPr>
         <p:txBody>
@@ -177,39 +182,39 @@
           <a:lstStyle>
             <a:lvl1pPr marL="0" indent="0" algn="ctr">
               <a:buNone/>
-              <a:defRPr sz="2880"/>
+              <a:defRPr sz="1600"/>
             </a:lvl1pPr>
-            <a:lvl2pPr marL="548640" indent="0" algn="ctr">
-              <a:buNone/>
-              <a:defRPr sz="2400"/>
+            <a:lvl2pPr marL="304815" indent="0" algn="ctr">
+              <a:buNone/>
+              <a:defRPr sz="1333"/>
             </a:lvl2pPr>
-            <a:lvl3pPr marL="1097280" indent="0" algn="ctr">
-              <a:buNone/>
-              <a:defRPr sz="2160"/>
+            <a:lvl3pPr marL="609630" indent="0" algn="ctr">
+              <a:buNone/>
+              <a:defRPr sz="1200"/>
             </a:lvl3pPr>
-            <a:lvl4pPr marL="1645920" indent="0" algn="ctr">
-              <a:buNone/>
-              <a:defRPr sz="1920"/>
+            <a:lvl4pPr marL="914446" indent="0" algn="ctr">
+              <a:buNone/>
+              <a:defRPr sz="1067"/>
             </a:lvl4pPr>
-            <a:lvl5pPr marL="2194560" indent="0" algn="ctr">
-              <a:buNone/>
-              <a:defRPr sz="1920"/>
+            <a:lvl5pPr marL="1219261" indent="0" algn="ctr">
+              <a:buNone/>
+              <a:defRPr sz="1067"/>
             </a:lvl5pPr>
-            <a:lvl6pPr marL="2743200" indent="0" algn="ctr">
-              <a:buNone/>
-              <a:defRPr sz="1920"/>
+            <a:lvl6pPr marL="1524076" indent="0" algn="ctr">
+              <a:buNone/>
+              <a:defRPr sz="1067"/>
             </a:lvl6pPr>
-            <a:lvl7pPr marL="3291840" indent="0" algn="ctr">
-              <a:buNone/>
-              <a:defRPr sz="1920"/>
+            <a:lvl7pPr marL="1828891" indent="0" algn="ctr">
+              <a:buNone/>
+              <a:defRPr sz="1067"/>
             </a:lvl7pPr>
-            <a:lvl8pPr marL="3840480" indent="0" algn="ctr">
-              <a:buNone/>
-              <a:defRPr sz="1920"/>
+            <a:lvl8pPr marL="2133707" indent="0" algn="ctr">
+              <a:buNone/>
+              <a:defRPr sz="1067"/>
             </a:lvl8pPr>
-            <a:lvl9pPr marL="4389120" indent="0" algn="ctr">
-              <a:buNone/>
-              <a:defRPr sz="1920"/>
+            <a:lvl9pPr marL="2438522" indent="0" algn="ctr">
+              <a:buNone/>
+              <a:defRPr sz="1067"/>
             </a:lvl9pPr>
           </a:lstStyle>
           <a:p>
@@ -238,7 +243,7 @@
           <a:p>
             <a:fld id="{1E2FCFA5-7197-4E19-A22F-0E6B5C033D80}" type="datetimeFigureOut">
               <a:rPr lang="en-US" smtClean="0"/>
-              <a:t>9/11/2018</a:t>
+              <a:t>9/13/2018</a:t>
             </a:fld>
             <a:endParaRPr lang="en-US"/>
           </a:p>
@@ -289,7 +294,7 @@
     </p:spTree>
     <p:extLst>
       <p:ext uri="{BB962C8B-B14F-4D97-AF65-F5344CB8AC3E}">
-        <p14:creationId xmlns:p14="http://schemas.microsoft.com/office/powerpoint/2010/main" val="1204588502"/>
+        <p14:creationId xmlns:p14="http://schemas.microsoft.com/office/powerpoint/2010/main" val="1304168461"/>
       </p:ext>
     </p:extLst>
   </p:cSld>
@@ -408,7 +413,7 @@
           <a:p>
             <a:fld id="{1E2FCFA5-7197-4E19-A22F-0E6B5C033D80}" type="datetimeFigureOut">
               <a:rPr lang="en-US" smtClean="0"/>
-              <a:t>9/11/2018</a:t>
+              <a:t>9/13/2018</a:t>
             </a:fld>
             <a:endParaRPr lang="en-US"/>
           </a:p>
@@ -459,7 +464,7 @@
     </p:spTree>
     <p:extLst>
       <p:ext uri="{BB962C8B-B14F-4D97-AF65-F5344CB8AC3E}">
-        <p14:creationId xmlns:p14="http://schemas.microsoft.com/office/powerpoint/2010/main" val="1026665461"/>
+        <p14:creationId xmlns:p14="http://schemas.microsoft.com/office/powerpoint/2010/main" val="1872138037"/>
       </p:ext>
     </p:extLst>
   </p:cSld>
@@ -498,8 +503,8 @@
         </p:nvSpPr>
         <p:spPr>
           <a:xfrm>
-            <a:off x="11124247" y="438150"/>
-            <a:ext cx="3351848" cy="6974206"/>
+            <a:off x="4841865" y="243417"/>
+            <a:ext cx="1458903" cy="3874559"/>
           </a:xfrm>
         </p:spPr>
         <p:txBody>
@@ -526,8 +531,8 @@
         </p:nvSpPr>
         <p:spPr>
           <a:xfrm>
-            <a:off x="1068705" y="438150"/>
-            <a:ext cx="9861233" cy="6974206"/>
+            <a:off x="465158" y="243417"/>
+            <a:ext cx="4292134" cy="3874559"/>
           </a:xfrm>
         </p:spPr>
         <p:txBody>
@@ -588,7 +593,7 @@
           <a:p>
             <a:fld id="{1E2FCFA5-7197-4E19-A22F-0E6B5C033D80}" type="datetimeFigureOut">
               <a:rPr lang="en-US" smtClean="0"/>
-              <a:t>9/11/2018</a:t>
+              <a:t>9/13/2018</a:t>
             </a:fld>
             <a:endParaRPr lang="en-US"/>
           </a:p>
@@ -639,7 +644,7 @@
     </p:spTree>
     <p:extLst>
       <p:ext uri="{BB962C8B-B14F-4D97-AF65-F5344CB8AC3E}">
-        <p14:creationId xmlns:p14="http://schemas.microsoft.com/office/powerpoint/2010/main" val="2669528267"/>
+        <p14:creationId xmlns:p14="http://schemas.microsoft.com/office/powerpoint/2010/main" val="1551118251"/>
       </p:ext>
     </p:extLst>
   </p:cSld>
@@ -758,7 +763,7 @@
           <a:p>
             <a:fld id="{1E2FCFA5-7197-4E19-A22F-0E6B5C033D80}" type="datetimeFigureOut">
               <a:rPr lang="en-US" smtClean="0"/>
-              <a:t>9/11/2018</a:t>
+              <a:t>9/13/2018</a:t>
             </a:fld>
             <a:endParaRPr lang="en-US"/>
           </a:p>
@@ -809,7 +814,7 @@
     </p:spTree>
     <p:extLst>
       <p:ext uri="{BB962C8B-B14F-4D97-AF65-F5344CB8AC3E}">
-        <p14:creationId xmlns:p14="http://schemas.microsoft.com/office/powerpoint/2010/main" val="1483077279"/>
+        <p14:creationId xmlns:p14="http://schemas.microsoft.com/office/powerpoint/2010/main" val="3623952872"/>
       </p:ext>
     </p:extLst>
   </p:cSld>
@@ -848,15 +853,15 @@
         </p:nvSpPr>
         <p:spPr>
           <a:xfrm>
-            <a:off x="1060609" y="2051686"/>
-            <a:ext cx="13407390" cy="3423284"/>
+            <a:off x="461634" y="1139826"/>
+            <a:ext cx="5835610" cy="1901825"/>
           </a:xfrm>
         </p:spPr>
         <p:txBody>
           <a:bodyPr anchor="b"/>
           <a:lstStyle>
             <a:lvl1pPr>
-              <a:defRPr sz="7200"/>
+              <a:defRPr sz="4000"/>
             </a:lvl1pPr>
           </a:lstStyle>
           <a:p>
@@ -880,8 +885,8 @@
         </p:nvSpPr>
         <p:spPr>
           <a:xfrm>
-            <a:off x="1060609" y="5507356"/>
-            <a:ext cx="13407390" cy="1800224"/>
+            <a:off x="461634" y="3059643"/>
+            <a:ext cx="5835610" cy="1000125"/>
           </a:xfrm>
         </p:spPr>
         <p:txBody>
@@ -889,17 +894,15 @@
           <a:lstStyle>
             <a:lvl1pPr marL="0" indent="0">
               <a:buNone/>
-              <a:defRPr sz="2880">
+              <a:defRPr sz="1600">
                 <a:solidFill>
-                  <a:schemeClr val="tx1">
-                    <a:tint val="75000"/>
-                  </a:schemeClr>
+                  <a:schemeClr val="tx1"/>
                 </a:solidFill>
               </a:defRPr>
             </a:lvl1pPr>
-            <a:lvl2pPr marL="548640" indent="0">
-              <a:buNone/>
-              <a:defRPr sz="2400">
+            <a:lvl2pPr marL="304815" indent="0">
+              <a:buNone/>
+              <a:defRPr sz="1333">
                 <a:solidFill>
                   <a:schemeClr val="tx1">
                     <a:tint val="75000"/>
@@ -907,9 +910,9 @@
                 </a:solidFill>
               </a:defRPr>
             </a:lvl2pPr>
-            <a:lvl3pPr marL="1097280" indent="0">
-              <a:buNone/>
-              <a:defRPr sz="2160">
+            <a:lvl3pPr marL="609630" indent="0">
+              <a:buNone/>
+              <a:defRPr sz="1200">
                 <a:solidFill>
                   <a:schemeClr val="tx1">
                     <a:tint val="75000"/>
@@ -917,9 +920,9 @@
                 </a:solidFill>
               </a:defRPr>
             </a:lvl3pPr>
-            <a:lvl4pPr marL="1645920" indent="0">
-              <a:buNone/>
-              <a:defRPr sz="1920">
+            <a:lvl4pPr marL="914446" indent="0">
+              <a:buNone/>
+              <a:defRPr sz="1067">
                 <a:solidFill>
                   <a:schemeClr val="tx1">
                     <a:tint val="75000"/>
@@ -927,9 +930,9 @@
                 </a:solidFill>
               </a:defRPr>
             </a:lvl4pPr>
-            <a:lvl5pPr marL="2194560" indent="0">
-              <a:buNone/>
-              <a:defRPr sz="1920">
+            <a:lvl5pPr marL="1219261" indent="0">
+              <a:buNone/>
+              <a:defRPr sz="1067">
                 <a:solidFill>
                   <a:schemeClr val="tx1">
                     <a:tint val="75000"/>
@@ -937,9 +940,9 @@
                 </a:solidFill>
               </a:defRPr>
             </a:lvl5pPr>
-            <a:lvl6pPr marL="2743200" indent="0">
-              <a:buNone/>
-              <a:defRPr sz="1920">
+            <a:lvl6pPr marL="1524076" indent="0">
+              <a:buNone/>
+              <a:defRPr sz="1067">
                 <a:solidFill>
                   <a:schemeClr val="tx1">
                     <a:tint val="75000"/>
@@ -947,9 +950,9 @@
                 </a:solidFill>
               </a:defRPr>
             </a:lvl6pPr>
-            <a:lvl7pPr marL="3291840" indent="0">
-              <a:buNone/>
-              <a:defRPr sz="1920">
+            <a:lvl7pPr marL="1828891" indent="0">
+              <a:buNone/>
+              <a:defRPr sz="1067">
                 <a:solidFill>
                   <a:schemeClr val="tx1">
                     <a:tint val="75000"/>
@@ -957,9 +960,9 @@
                 </a:solidFill>
               </a:defRPr>
             </a:lvl7pPr>
-            <a:lvl8pPr marL="3840480" indent="0">
-              <a:buNone/>
-              <a:defRPr sz="1920">
+            <a:lvl8pPr marL="2133707" indent="0">
+              <a:buNone/>
+              <a:defRPr sz="1067">
                 <a:solidFill>
                   <a:schemeClr val="tx1">
                     <a:tint val="75000"/>
@@ -967,9 +970,9 @@
                 </a:solidFill>
               </a:defRPr>
             </a:lvl8pPr>
-            <a:lvl9pPr marL="4389120" indent="0">
-              <a:buNone/>
-              <a:defRPr sz="1920">
+            <a:lvl9pPr marL="2438522" indent="0">
+              <a:buNone/>
+              <a:defRPr sz="1067">
                 <a:solidFill>
                   <a:schemeClr val="tx1">
                     <a:tint val="75000"/>
@@ -1004,7 +1007,7 @@
           <a:p>
             <a:fld id="{1E2FCFA5-7197-4E19-A22F-0E6B5C033D80}" type="datetimeFigureOut">
               <a:rPr lang="en-US" smtClean="0"/>
-              <a:t>9/11/2018</a:t>
+              <a:t>9/13/2018</a:t>
             </a:fld>
             <a:endParaRPr lang="en-US"/>
           </a:p>
@@ -1055,7 +1058,7 @@
     </p:spTree>
     <p:extLst>
       <p:ext uri="{BB962C8B-B14F-4D97-AF65-F5344CB8AC3E}">
-        <p14:creationId xmlns:p14="http://schemas.microsoft.com/office/powerpoint/2010/main" val="2565150297"/>
+        <p14:creationId xmlns:p14="http://schemas.microsoft.com/office/powerpoint/2010/main" val="3021283601"/>
       </p:ext>
     </p:extLst>
   </p:cSld>
@@ -1117,8 +1120,8 @@
         </p:nvSpPr>
         <p:spPr>
           <a:xfrm>
-            <a:off x="1068705" y="2190750"/>
-            <a:ext cx="6606540" cy="5221606"/>
+            <a:off x="465157" y="1217083"/>
+            <a:ext cx="2875518" cy="2900892"/>
           </a:xfrm>
         </p:spPr>
         <p:txBody>
@@ -1174,8 +1177,8 @@
         </p:nvSpPr>
         <p:spPr>
           <a:xfrm>
-            <a:off x="7869555" y="2190750"/>
-            <a:ext cx="6606540" cy="5221606"/>
+            <a:off x="3425250" y="1217083"/>
+            <a:ext cx="2875518" cy="2900892"/>
           </a:xfrm>
         </p:spPr>
         <p:txBody>
@@ -1236,7 +1239,7 @@
           <a:p>
             <a:fld id="{1E2FCFA5-7197-4E19-A22F-0E6B5C033D80}" type="datetimeFigureOut">
               <a:rPr lang="en-US" smtClean="0"/>
-              <a:t>9/11/2018</a:t>
+              <a:t>9/13/2018</a:t>
             </a:fld>
             <a:endParaRPr lang="en-US"/>
           </a:p>
@@ -1287,7 +1290,7 @@
     </p:spTree>
     <p:extLst>
       <p:ext uri="{BB962C8B-B14F-4D97-AF65-F5344CB8AC3E}">
-        <p14:creationId xmlns:p14="http://schemas.microsoft.com/office/powerpoint/2010/main" val="335698440"/>
+        <p14:creationId xmlns:p14="http://schemas.microsoft.com/office/powerpoint/2010/main" val="3165590782"/>
       </p:ext>
     </p:extLst>
   </p:cSld>
@@ -1326,8 +1329,8 @@
         </p:nvSpPr>
         <p:spPr>
           <a:xfrm>
-            <a:off x="1070730" y="438150"/>
-            <a:ext cx="13407390" cy="1590676"/>
+            <a:off x="466039" y="243418"/>
+            <a:ext cx="5835610" cy="883709"/>
           </a:xfrm>
         </p:spPr>
         <p:txBody>
@@ -1354,8 +1357,8 @@
         </p:nvSpPr>
         <p:spPr>
           <a:xfrm>
-            <a:off x="1070731" y="2017396"/>
-            <a:ext cx="6576178" cy="988694"/>
+            <a:off x="466039" y="1120775"/>
+            <a:ext cx="2862303" cy="549275"/>
           </a:xfrm>
         </p:spPr>
         <p:txBody>
@@ -1363,39 +1366,39 @@
           <a:lstStyle>
             <a:lvl1pPr marL="0" indent="0">
               <a:buNone/>
-              <a:defRPr sz="2880" b="1"/>
+              <a:defRPr sz="1600" b="1"/>
             </a:lvl1pPr>
-            <a:lvl2pPr marL="548640" indent="0">
-              <a:buNone/>
-              <a:defRPr sz="2400" b="1"/>
+            <a:lvl2pPr marL="304815" indent="0">
+              <a:buNone/>
+              <a:defRPr sz="1333" b="1"/>
             </a:lvl2pPr>
-            <a:lvl3pPr marL="1097280" indent="0">
-              <a:buNone/>
-              <a:defRPr sz="2160" b="1"/>
+            <a:lvl3pPr marL="609630" indent="0">
+              <a:buNone/>
+              <a:defRPr sz="1200" b="1"/>
             </a:lvl3pPr>
-            <a:lvl4pPr marL="1645920" indent="0">
-              <a:buNone/>
-              <a:defRPr sz="1920" b="1"/>
+            <a:lvl4pPr marL="914446" indent="0">
+              <a:buNone/>
+              <a:defRPr sz="1067" b="1"/>
             </a:lvl4pPr>
-            <a:lvl5pPr marL="2194560" indent="0">
-              <a:buNone/>
-              <a:defRPr sz="1920" b="1"/>
+            <a:lvl5pPr marL="1219261" indent="0">
+              <a:buNone/>
+              <a:defRPr sz="1067" b="1"/>
             </a:lvl5pPr>
-            <a:lvl6pPr marL="2743200" indent="0">
-              <a:buNone/>
-              <a:defRPr sz="1920" b="1"/>
+            <a:lvl6pPr marL="1524076" indent="0">
+              <a:buNone/>
+              <a:defRPr sz="1067" b="1"/>
             </a:lvl6pPr>
-            <a:lvl7pPr marL="3291840" indent="0">
-              <a:buNone/>
-              <a:defRPr sz="1920" b="1"/>
+            <a:lvl7pPr marL="1828891" indent="0">
+              <a:buNone/>
+              <a:defRPr sz="1067" b="1"/>
             </a:lvl7pPr>
-            <a:lvl8pPr marL="3840480" indent="0">
-              <a:buNone/>
-              <a:defRPr sz="1920" b="1"/>
+            <a:lvl8pPr marL="2133707" indent="0">
+              <a:buNone/>
+              <a:defRPr sz="1067" b="1"/>
             </a:lvl8pPr>
-            <a:lvl9pPr marL="4389120" indent="0">
-              <a:buNone/>
-              <a:defRPr sz="1920" b="1"/>
+            <a:lvl9pPr marL="2438522" indent="0">
+              <a:buNone/>
+              <a:defRPr sz="1067" b="1"/>
             </a:lvl9pPr>
           </a:lstStyle>
           <a:p>
@@ -1419,8 +1422,8 @@
         </p:nvSpPr>
         <p:spPr>
           <a:xfrm>
-            <a:off x="1070731" y="3006090"/>
-            <a:ext cx="6576178" cy="4421506"/>
+            <a:off x="466039" y="1670050"/>
+            <a:ext cx="2862303" cy="2456392"/>
           </a:xfrm>
         </p:spPr>
         <p:txBody>
@@ -1476,8 +1479,8 @@
         </p:nvSpPr>
         <p:spPr>
           <a:xfrm>
-            <a:off x="7869555" y="2017396"/>
-            <a:ext cx="6608565" cy="988694"/>
+            <a:off x="3425250" y="1120775"/>
+            <a:ext cx="2876399" cy="549275"/>
           </a:xfrm>
         </p:spPr>
         <p:txBody>
@@ -1485,39 +1488,39 @@
           <a:lstStyle>
             <a:lvl1pPr marL="0" indent="0">
               <a:buNone/>
-              <a:defRPr sz="2880" b="1"/>
+              <a:defRPr sz="1600" b="1"/>
             </a:lvl1pPr>
-            <a:lvl2pPr marL="548640" indent="0">
-              <a:buNone/>
-              <a:defRPr sz="2400" b="1"/>
+            <a:lvl2pPr marL="304815" indent="0">
+              <a:buNone/>
+              <a:defRPr sz="1333" b="1"/>
             </a:lvl2pPr>
-            <a:lvl3pPr marL="1097280" indent="0">
-              <a:buNone/>
-              <a:defRPr sz="2160" b="1"/>
+            <a:lvl3pPr marL="609630" indent="0">
+              <a:buNone/>
+              <a:defRPr sz="1200" b="1"/>
             </a:lvl3pPr>
-            <a:lvl4pPr marL="1645920" indent="0">
-              <a:buNone/>
-              <a:defRPr sz="1920" b="1"/>
+            <a:lvl4pPr marL="914446" indent="0">
+              <a:buNone/>
+              <a:defRPr sz="1067" b="1"/>
             </a:lvl4pPr>
-            <a:lvl5pPr marL="2194560" indent="0">
-              <a:buNone/>
-              <a:defRPr sz="1920" b="1"/>
+            <a:lvl5pPr marL="1219261" indent="0">
+              <a:buNone/>
+              <a:defRPr sz="1067" b="1"/>
             </a:lvl5pPr>
-            <a:lvl6pPr marL="2743200" indent="0">
-              <a:buNone/>
-              <a:defRPr sz="1920" b="1"/>
+            <a:lvl6pPr marL="1524076" indent="0">
+              <a:buNone/>
+              <a:defRPr sz="1067" b="1"/>
             </a:lvl6pPr>
-            <a:lvl7pPr marL="3291840" indent="0">
-              <a:buNone/>
-              <a:defRPr sz="1920" b="1"/>
+            <a:lvl7pPr marL="1828891" indent="0">
+              <a:buNone/>
+              <a:defRPr sz="1067" b="1"/>
             </a:lvl7pPr>
-            <a:lvl8pPr marL="3840480" indent="0">
-              <a:buNone/>
-              <a:defRPr sz="1920" b="1"/>
+            <a:lvl8pPr marL="2133707" indent="0">
+              <a:buNone/>
+              <a:defRPr sz="1067" b="1"/>
             </a:lvl8pPr>
-            <a:lvl9pPr marL="4389120" indent="0">
-              <a:buNone/>
-              <a:defRPr sz="1920" b="1"/>
+            <a:lvl9pPr marL="2438522" indent="0">
+              <a:buNone/>
+              <a:defRPr sz="1067" b="1"/>
             </a:lvl9pPr>
           </a:lstStyle>
           <a:p>
@@ -1541,8 +1544,8 @@
         </p:nvSpPr>
         <p:spPr>
           <a:xfrm>
-            <a:off x="7869555" y="3006090"/>
-            <a:ext cx="6608565" cy="4421506"/>
+            <a:off x="3425250" y="1670050"/>
+            <a:ext cx="2876399" cy="2456392"/>
           </a:xfrm>
         </p:spPr>
         <p:txBody>
@@ -1603,7 +1606,7 @@
           <a:p>
             <a:fld id="{1E2FCFA5-7197-4E19-A22F-0E6B5C033D80}" type="datetimeFigureOut">
               <a:rPr lang="en-US" smtClean="0"/>
-              <a:t>9/11/2018</a:t>
+              <a:t>9/13/2018</a:t>
             </a:fld>
             <a:endParaRPr lang="en-US"/>
           </a:p>
@@ -1654,7 +1657,7 @@
     </p:spTree>
     <p:extLst>
       <p:ext uri="{BB962C8B-B14F-4D97-AF65-F5344CB8AC3E}">
-        <p14:creationId xmlns:p14="http://schemas.microsoft.com/office/powerpoint/2010/main" val="2070400619"/>
+        <p14:creationId xmlns:p14="http://schemas.microsoft.com/office/powerpoint/2010/main" val="3691536842"/>
       </p:ext>
     </p:extLst>
   </p:cSld>
@@ -1721,7 +1724,7 @@
           <a:p>
             <a:fld id="{1E2FCFA5-7197-4E19-A22F-0E6B5C033D80}" type="datetimeFigureOut">
               <a:rPr lang="en-US" smtClean="0"/>
-              <a:t>9/11/2018</a:t>
+              <a:t>9/13/2018</a:t>
             </a:fld>
             <a:endParaRPr lang="en-US"/>
           </a:p>
@@ -1772,7 +1775,7 @@
     </p:spTree>
     <p:extLst>
       <p:ext uri="{BB962C8B-B14F-4D97-AF65-F5344CB8AC3E}">
-        <p14:creationId xmlns:p14="http://schemas.microsoft.com/office/powerpoint/2010/main" val="3561393223"/>
+        <p14:creationId xmlns:p14="http://schemas.microsoft.com/office/powerpoint/2010/main" val="3022363063"/>
       </p:ext>
     </p:extLst>
   </p:cSld>
@@ -1816,7 +1819,7 @@
           <a:p>
             <a:fld id="{1E2FCFA5-7197-4E19-A22F-0E6B5C033D80}" type="datetimeFigureOut">
               <a:rPr lang="en-US" smtClean="0"/>
-              <a:t>9/11/2018</a:t>
+              <a:t>9/13/2018</a:t>
             </a:fld>
             <a:endParaRPr lang="en-US"/>
           </a:p>
@@ -1867,7 +1870,7 @@
     </p:spTree>
     <p:extLst>
       <p:ext uri="{BB962C8B-B14F-4D97-AF65-F5344CB8AC3E}">
-        <p14:creationId xmlns:p14="http://schemas.microsoft.com/office/powerpoint/2010/main" val="2445515938"/>
+        <p14:creationId xmlns:p14="http://schemas.microsoft.com/office/powerpoint/2010/main" val="2946788058"/>
       </p:ext>
     </p:extLst>
   </p:cSld>
@@ -1906,15 +1909,15 @@
         </p:nvSpPr>
         <p:spPr>
           <a:xfrm>
-            <a:off x="1070730" y="548640"/>
-            <a:ext cx="5013602" cy="1920240"/>
+            <a:off x="466039" y="304800"/>
+            <a:ext cx="2182187" cy="1066800"/>
           </a:xfrm>
         </p:spPr>
         <p:txBody>
           <a:bodyPr anchor="b"/>
           <a:lstStyle>
             <a:lvl1pPr>
-              <a:defRPr sz="3840"/>
+              <a:defRPr sz="2133"/>
             </a:lvl1pPr>
           </a:lstStyle>
           <a:p>
@@ -1938,39 +1941,39 @@
         </p:nvSpPr>
         <p:spPr>
           <a:xfrm>
-            <a:off x="6608565" y="1184911"/>
-            <a:ext cx="7869555" cy="5848350"/>
+            <a:off x="2876399" y="658285"/>
+            <a:ext cx="3425250" cy="3249083"/>
           </a:xfrm>
         </p:spPr>
         <p:txBody>
           <a:bodyPr/>
           <a:lstStyle>
             <a:lvl1pPr>
-              <a:defRPr sz="3840"/>
+              <a:defRPr sz="2133"/>
             </a:lvl1pPr>
             <a:lvl2pPr>
-              <a:defRPr sz="3360"/>
+              <a:defRPr sz="1867"/>
             </a:lvl2pPr>
             <a:lvl3pPr>
-              <a:defRPr sz="2880"/>
+              <a:defRPr sz="1600"/>
             </a:lvl3pPr>
             <a:lvl4pPr>
-              <a:defRPr sz="2400"/>
+              <a:defRPr sz="1333"/>
             </a:lvl4pPr>
             <a:lvl5pPr>
-              <a:defRPr sz="2400"/>
+              <a:defRPr sz="1333"/>
             </a:lvl5pPr>
             <a:lvl6pPr>
-              <a:defRPr sz="2400"/>
+              <a:defRPr sz="1333"/>
             </a:lvl6pPr>
             <a:lvl7pPr>
-              <a:defRPr sz="2400"/>
+              <a:defRPr sz="1333"/>
             </a:lvl7pPr>
             <a:lvl8pPr>
-              <a:defRPr sz="2400"/>
+              <a:defRPr sz="1333"/>
             </a:lvl8pPr>
             <a:lvl9pPr>
-              <a:defRPr sz="2400"/>
+              <a:defRPr sz="1333"/>
             </a:lvl9pPr>
           </a:lstStyle>
           <a:p>
@@ -2023,8 +2026,8 @@
         </p:nvSpPr>
         <p:spPr>
           <a:xfrm>
-            <a:off x="1070730" y="2468880"/>
-            <a:ext cx="5013602" cy="4573906"/>
+            <a:off x="466039" y="1371600"/>
+            <a:ext cx="2182187" cy="2541059"/>
           </a:xfrm>
         </p:spPr>
         <p:txBody>
@@ -2032,39 +2035,39 @@
           <a:lstStyle>
             <a:lvl1pPr marL="0" indent="0">
               <a:buNone/>
-              <a:defRPr sz="1920"/>
+              <a:defRPr sz="1067"/>
             </a:lvl1pPr>
-            <a:lvl2pPr marL="548640" indent="0">
-              <a:buNone/>
-              <a:defRPr sz="1680"/>
+            <a:lvl2pPr marL="304815" indent="0">
+              <a:buNone/>
+              <a:defRPr sz="933"/>
             </a:lvl2pPr>
-            <a:lvl3pPr marL="1097280" indent="0">
-              <a:buNone/>
-              <a:defRPr sz="1440"/>
+            <a:lvl3pPr marL="609630" indent="0">
+              <a:buNone/>
+              <a:defRPr sz="800"/>
             </a:lvl3pPr>
-            <a:lvl4pPr marL="1645920" indent="0">
-              <a:buNone/>
-              <a:defRPr sz="1200"/>
+            <a:lvl4pPr marL="914446" indent="0">
+              <a:buNone/>
+              <a:defRPr sz="667"/>
             </a:lvl4pPr>
-            <a:lvl5pPr marL="2194560" indent="0">
-              <a:buNone/>
-              <a:defRPr sz="1200"/>
+            <a:lvl5pPr marL="1219261" indent="0">
+              <a:buNone/>
+              <a:defRPr sz="667"/>
             </a:lvl5pPr>
-            <a:lvl6pPr marL="2743200" indent="0">
-              <a:buNone/>
-              <a:defRPr sz="1200"/>
+            <a:lvl6pPr marL="1524076" indent="0">
+              <a:buNone/>
+              <a:defRPr sz="667"/>
             </a:lvl6pPr>
-            <a:lvl7pPr marL="3291840" indent="0">
-              <a:buNone/>
-              <a:defRPr sz="1200"/>
+            <a:lvl7pPr marL="1828891" indent="0">
+              <a:buNone/>
+              <a:defRPr sz="667"/>
             </a:lvl7pPr>
-            <a:lvl8pPr marL="3840480" indent="0">
-              <a:buNone/>
-              <a:defRPr sz="1200"/>
+            <a:lvl8pPr marL="2133707" indent="0">
+              <a:buNone/>
+              <a:defRPr sz="667"/>
             </a:lvl8pPr>
-            <a:lvl9pPr marL="4389120" indent="0">
-              <a:buNone/>
-              <a:defRPr sz="1200"/>
+            <a:lvl9pPr marL="2438522" indent="0">
+              <a:buNone/>
+              <a:defRPr sz="667"/>
             </a:lvl9pPr>
           </a:lstStyle>
           <a:p>
@@ -2093,7 +2096,7 @@
           <a:p>
             <a:fld id="{1E2FCFA5-7197-4E19-A22F-0E6B5C033D80}" type="datetimeFigureOut">
               <a:rPr lang="en-US" smtClean="0"/>
-              <a:t>9/11/2018</a:t>
+              <a:t>9/13/2018</a:t>
             </a:fld>
             <a:endParaRPr lang="en-US"/>
           </a:p>
@@ -2144,7 +2147,7 @@
     </p:spTree>
     <p:extLst>
       <p:ext uri="{BB962C8B-B14F-4D97-AF65-F5344CB8AC3E}">
-        <p14:creationId xmlns:p14="http://schemas.microsoft.com/office/powerpoint/2010/main" val="1576562698"/>
+        <p14:creationId xmlns:p14="http://schemas.microsoft.com/office/powerpoint/2010/main" val="3982835809"/>
       </p:ext>
     </p:extLst>
   </p:cSld>
@@ -2183,15 +2186,15 @@
         </p:nvSpPr>
         <p:spPr>
           <a:xfrm>
-            <a:off x="1070730" y="548640"/>
-            <a:ext cx="5013602" cy="1920240"/>
+            <a:off x="466039" y="304800"/>
+            <a:ext cx="2182187" cy="1066800"/>
           </a:xfrm>
         </p:spPr>
         <p:txBody>
           <a:bodyPr anchor="b"/>
           <a:lstStyle>
             <a:lvl1pPr>
-              <a:defRPr sz="3840"/>
+              <a:defRPr sz="2133"/>
             </a:lvl1pPr>
           </a:lstStyle>
           <a:p>
@@ -2215,8 +2218,8 @@
         </p:nvSpPr>
         <p:spPr>
           <a:xfrm>
-            <a:off x="6608565" y="1184911"/>
-            <a:ext cx="7869555" cy="5848350"/>
+            <a:off x="2876399" y="658285"/>
+            <a:ext cx="3425250" cy="3249083"/>
           </a:xfrm>
         </p:spPr>
         <p:txBody>
@@ -2224,39 +2227,39 @@
           <a:lstStyle>
             <a:lvl1pPr marL="0" indent="0">
               <a:buNone/>
-              <a:defRPr sz="3840"/>
+              <a:defRPr sz="2133"/>
             </a:lvl1pPr>
-            <a:lvl2pPr marL="548640" indent="0">
-              <a:buNone/>
-              <a:defRPr sz="3360"/>
+            <a:lvl2pPr marL="304815" indent="0">
+              <a:buNone/>
+              <a:defRPr sz="1867"/>
             </a:lvl2pPr>
-            <a:lvl3pPr marL="1097280" indent="0">
-              <a:buNone/>
-              <a:defRPr sz="2880"/>
+            <a:lvl3pPr marL="609630" indent="0">
+              <a:buNone/>
+              <a:defRPr sz="1600"/>
             </a:lvl3pPr>
-            <a:lvl4pPr marL="1645920" indent="0">
-              <a:buNone/>
-              <a:defRPr sz="2400"/>
+            <a:lvl4pPr marL="914446" indent="0">
+              <a:buNone/>
+              <a:defRPr sz="1333"/>
             </a:lvl4pPr>
-            <a:lvl5pPr marL="2194560" indent="0">
-              <a:buNone/>
-              <a:defRPr sz="2400"/>
+            <a:lvl5pPr marL="1219261" indent="0">
+              <a:buNone/>
+              <a:defRPr sz="1333"/>
             </a:lvl5pPr>
-            <a:lvl6pPr marL="2743200" indent="0">
-              <a:buNone/>
-              <a:defRPr sz="2400"/>
+            <a:lvl6pPr marL="1524076" indent="0">
+              <a:buNone/>
+              <a:defRPr sz="1333"/>
             </a:lvl6pPr>
-            <a:lvl7pPr marL="3291840" indent="0">
-              <a:buNone/>
-              <a:defRPr sz="2400"/>
+            <a:lvl7pPr marL="1828891" indent="0">
+              <a:buNone/>
+              <a:defRPr sz="1333"/>
             </a:lvl7pPr>
-            <a:lvl8pPr marL="3840480" indent="0">
-              <a:buNone/>
-              <a:defRPr sz="2400"/>
+            <a:lvl8pPr marL="2133707" indent="0">
+              <a:buNone/>
+              <a:defRPr sz="1333"/>
             </a:lvl8pPr>
-            <a:lvl9pPr marL="4389120" indent="0">
-              <a:buNone/>
-              <a:defRPr sz="2400"/>
+            <a:lvl9pPr marL="2438522" indent="0">
+              <a:buNone/>
+              <a:defRPr sz="1333"/>
             </a:lvl9pPr>
           </a:lstStyle>
           <a:p>
@@ -2280,8 +2283,8 @@
         </p:nvSpPr>
         <p:spPr>
           <a:xfrm>
-            <a:off x="1070730" y="2468880"/>
-            <a:ext cx="5013602" cy="4573906"/>
+            <a:off x="466039" y="1371600"/>
+            <a:ext cx="2182187" cy="2541059"/>
           </a:xfrm>
         </p:spPr>
         <p:txBody>
@@ -2289,39 +2292,39 @@
           <a:lstStyle>
             <a:lvl1pPr marL="0" indent="0">
               <a:buNone/>
-              <a:defRPr sz="1920"/>
+              <a:defRPr sz="1067"/>
             </a:lvl1pPr>
-            <a:lvl2pPr marL="548640" indent="0">
-              <a:buNone/>
-              <a:defRPr sz="1680"/>
+            <a:lvl2pPr marL="304815" indent="0">
+              <a:buNone/>
+              <a:defRPr sz="933"/>
             </a:lvl2pPr>
-            <a:lvl3pPr marL="1097280" indent="0">
-              <a:buNone/>
-              <a:defRPr sz="1440"/>
+            <a:lvl3pPr marL="609630" indent="0">
+              <a:buNone/>
+              <a:defRPr sz="800"/>
             </a:lvl3pPr>
-            <a:lvl4pPr marL="1645920" indent="0">
-              <a:buNone/>
-              <a:defRPr sz="1200"/>
+            <a:lvl4pPr marL="914446" indent="0">
+              <a:buNone/>
+              <a:defRPr sz="667"/>
             </a:lvl4pPr>
-            <a:lvl5pPr marL="2194560" indent="0">
-              <a:buNone/>
-              <a:defRPr sz="1200"/>
+            <a:lvl5pPr marL="1219261" indent="0">
+              <a:buNone/>
+              <a:defRPr sz="667"/>
             </a:lvl5pPr>
-            <a:lvl6pPr marL="2743200" indent="0">
-              <a:buNone/>
-              <a:defRPr sz="1200"/>
+            <a:lvl6pPr marL="1524076" indent="0">
+              <a:buNone/>
+              <a:defRPr sz="667"/>
             </a:lvl6pPr>
-            <a:lvl7pPr marL="3291840" indent="0">
-              <a:buNone/>
-              <a:defRPr sz="1200"/>
+            <a:lvl7pPr marL="1828891" indent="0">
+              <a:buNone/>
+              <a:defRPr sz="667"/>
             </a:lvl7pPr>
-            <a:lvl8pPr marL="3840480" indent="0">
-              <a:buNone/>
-              <a:defRPr sz="1200"/>
+            <a:lvl8pPr marL="2133707" indent="0">
+              <a:buNone/>
+              <a:defRPr sz="667"/>
             </a:lvl8pPr>
-            <a:lvl9pPr marL="4389120" indent="0">
-              <a:buNone/>
-              <a:defRPr sz="1200"/>
+            <a:lvl9pPr marL="2438522" indent="0">
+              <a:buNone/>
+              <a:defRPr sz="667"/>
             </a:lvl9pPr>
           </a:lstStyle>
           <a:p>
@@ -2350,7 +2353,7 @@
           <a:p>
             <a:fld id="{1E2FCFA5-7197-4E19-A22F-0E6B5C033D80}" type="datetimeFigureOut">
               <a:rPr lang="en-US" smtClean="0"/>
-              <a:t>9/11/2018</a:t>
+              <a:t>9/13/2018</a:t>
             </a:fld>
             <a:endParaRPr lang="en-US"/>
           </a:p>
@@ -2401,7 +2404,7 @@
     </p:spTree>
     <p:extLst>
       <p:ext uri="{BB962C8B-B14F-4D97-AF65-F5344CB8AC3E}">
-        <p14:creationId xmlns:p14="http://schemas.microsoft.com/office/powerpoint/2010/main" val="1970110615"/>
+        <p14:creationId xmlns:p14="http://schemas.microsoft.com/office/powerpoint/2010/main" val="213921185"/>
       </p:ext>
     </p:extLst>
   </p:cSld>
@@ -2445,8 +2448,8 @@
         </p:nvSpPr>
         <p:spPr>
           <a:xfrm>
-            <a:off x="1068705" y="438150"/>
-            <a:ext cx="13407390" cy="1590676"/>
+            <a:off x="465158" y="243418"/>
+            <a:ext cx="5835610" cy="883709"/>
           </a:xfrm>
           <a:prstGeom prst="rect">
             <a:avLst/>
@@ -2478,8 +2481,8 @@
         </p:nvSpPr>
         <p:spPr>
           <a:xfrm>
-            <a:off x="1068705" y="2190750"/>
-            <a:ext cx="13407390" cy="5221606"/>
+            <a:off x="465158" y="1217083"/>
+            <a:ext cx="5835610" cy="2900892"/>
           </a:xfrm>
           <a:prstGeom prst="rect">
             <a:avLst/>
@@ -2540,8 +2543,8 @@
         </p:nvSpPr>
         <p:spPr>
           <a:xfrm>
-            <a:off x="1068705" y="7627621"/>
-            <a:ext cx="3497580" cy="438150"/>
+            <a:off x="465157" y="4237568"/>
+            <a:ext cx="1522333" cy="243417"/>
           </a:xfrm>
           <a:prstGeom prst="rect">
             <a:avLst/>
@@ -2551,7 +2554,7 @@
           <a:bodyPr vert="horz" lIns="91440" tIns="45720" rIns="91440" bIns="45720" rtlCol="0" anchor="ctr"/>
           <a:lstStyle>
             <a:lvl1pPr algn="l">
-              <a:defRPr sz="1440">
+              <a:defRPr sz="800">
                 <a:solidFill>
                   <a:schemeClr val="tx1">
                     <a:tint val="75000"/>
@@ -2563,7 +2566,7 @@
           <a:p>
             <a:fld id="{1E2FCFA5-7197-4E19-A22F-0E6B5C033D80}" type="datetimeFigureOut">
               <a:rPr lang="en-US" smtClean="0"/>
-              <a:t>9/11/2018</a:t>
+              <a:t>9/13/2018</a:t>
             </a:fld>
             <a:endParaRPr lang="en-US"/>
           </a:p>
@@ -2581,8 +2584,8 @@
         </p:nvSpPr>
         <p:spPr>
           <a:xfrm>
-            <a:off x="5149215" y="7627621"/>
-            <a:ext cx="5246370" cy="438150"/>
+            <a:off x="2241213" y="4237568"/>
+            <a:ext cx="2283500" cy="243417"/>
           </a:xfrm>
           <a:prstGeom prst="rect">
             <a:avLst/>
@@ -2592,7 +2595,7 @@
           <a:bodyPr vert="horz" lIns="91440" tIns="45720" rIns="91440" bIns="45720" rtlCol="0" anchor="ctr"/>
           <a:lstStyle>
             <a:lvl1pPr algn="ctr">
-              <a:defRPr sz="1440">
+              <a:defRPr sz="800">
                 <a:solidFill>
                   <a:schemeClr val="tx1">
                     <a:tint val="75000"/>
@@ -2618,8 +2621,8 @@
         </p:nvSpPr>
         <p:spPr>
           <a:xfrm>
-            <a:off x="10978515" y="7627621"/>
-            <a:ext cx="3497580" cy="438150"/>
+            <a:off x="4778435" y="4237568"/>
+            <a:ext cx="1522333" cy="243417"/>
           </a:xfrm>
           <a:prstGeom prst="rect">
             <a:avLst/>
@@ -2629,7 +2632,7 @@
           <a:bodyPr vert="horz" lIns="91440" tIns="45720" rIns="91440" bIns="45720" rtlCol="0" anchor="ctr"/>
           <a:lstStyle>
             <a:lvl1pPr algn="r">
-              <a:defRPr sz="1440">
+              <a:defRPr sz="800">
                 <a:solidFill>
                   <a:schemeClr val="tx1">
                     <a:tint val="75000"/>
@@ -2650,27 +2653,27 @@
     </p:spTree>
     <p:extLst>
       <p:ext uri="{BB962C8B-B14F-4D97-AF65-F5344CB8AC3E}">
-        <p14:creationId xmlns:p14="http://schemas.microsoft.com/office/powerpoint/2010/main" val="2081556250"/>
+        <p14:creationId xmlns:p14="http://schemas.microsoft.com/office/powerpoint/2010/main" val="2200014303"/>
       </p:ext>
     </p:extLst>
   </p:cSld>
   <p:clrMap bg1="lt1" tx1="dk1" bg2="lt2" tx2="dk2" accent1="accent1" accent2="accent2" accent3="accent3" accent4="accent4" accent5="accent5" accent6="accent6" hlink="hlink" folHlink="folHlink"/>
   <p:sldLayoutIdLst>
-    <p:sldLayoutId id="2147483661" r:id="rId1"/>
-    <p:sldLayoutId id="2147483662" r:id="rId2"/>
-    <p:sldLayoutId id="2147483663" r:id="rId3"/>
-    <p:sldLayoutId id="2147483664" r:id="rId4"/>
-    <p:sldLayoutId id="2147483665" r:id="rId5"/>
-    <p:sldLayoutId id="2147483666" r:id="rId6"/>
-    <p:sldLayoutId id="2147483667" r:id="rId7"/>
-    <p:sldLayoutId id="2147483668" r:id="rId8"/>
-    <p:sldLayoutId id="2147483669" r:id="rId9"/>
-    <p:sldLayoutId id="2147483670" r:id="rId10"/>
-    <p:sldLayoutId id="2147483671" r:id="rId11"/>
+    <p:sldLayoutId id="2147483685" r:id="rId1"/>
+    <p:sldLayoutId id="2147483686" r:id="rId2"/>
+    <p:sldLayoutId id="2147483687" r:id="rId3"/>
+    <p:sldLayoutId id="2147483688" r:id="rId4"/>
+    <p:sldLayoutId id="2147483689" r:id="rId5"/>
+    <p:sldLayoutId id="2147483690" r:id="rId6"/>
+    <p:sldLayoutId id="2147483691" r:id="rId7"/>
+    <p:sldLayoutId id="2147483692" r:id="rId8"/>
+    <p:sldLayoutId id="2147483693" r:id="rId9"/>
+    <p:sldLayoutId id="2147483694" r:id="rId10"/>
+    <p:sldLayoutId id="2147483695" r:id="rId11"/>
   </p:sldLayoutIdLst>
   <p:txStyles>
     <p:titleStyle>
-      <a:lvl1pPr algn="l" defTabSz="1097280" rtl="0" eaLnBrk="1" latinLnBrk="0" hangingPunct="1">
+      <a:lvl1pPr algn="l" defTabSz="609630" rtl="0" eaLnBrk="1" latinLnBrk="0" hangingPunct="1">
         <a:lnSpc>
           <a:spcPct val="90000"/>
         </a:lnSpc>
@@ -2678,7 +2681,7 @@
           <a:spcPct val="0"/>
         </a:spcBef>
         <a:buNone/>
-        <a:defRPr sz="5280" kern="1200">
+        <a:defRPr sz="2933" kern="1200">
           <a:solidFill>
             <a:schemeClr val="tx1"/>
           </a:solidFill>
@@ -2689,16 +2692,16 @@
       </a:lvl1pPr>
     </p:titleStyle>
     <p:bodyStyle>
-      <a:lvl1pPr marL="274320" indent="-274320" algn="l" defTabSz="1097280" rtl="0" eaLnBrk="1" latinLnBrk="0" hangingPunct="1">
+      <a:lvl1pPr marL="152408" indent="-152408" algn="l" defTabSz="609630" rtl="0" eaLnBrk="1" latinLnBrk="0" hangingPunct="1">
         <a:lnSpc>
           <a:spcPct val="90000"/>
         </a:lnSpc>
         <a:spcBef>
-          <a:spcPts val="1200"/>
+          <a:spcPts val="667"/>
         </a:spcBef>
         <a:buFont typeface="Arial" panose="020B0604020202020204" pitchFamily="34" charset="0"/>
         <a:buChar char="•"/>
-        <a:defRPr sz="3360" kern="1200">
+        <a:defRPr sz="1867" kern="1200">
           <a:solidFill>
             <a:schemeClr val="tx1"/>
           </a:solidFill>
@@ -2707,16 +2710,16 @@
           <a:cs typeface="+mn-cs"/>
         </a:defRPr>
       </a:lvl1pPr>
-      <a:lvl2pPr marL="822960" indent="-274320" algn="l" defTabSz="1097280" rtl="0" eaLnBrk="1" latinLnBrk="0" hangingPunct="1">
+      <a:lvl2pPr marL="457223" indent="-152408" algn="l" defTabSz="609630" rtl="0" eaLnBrk="1" latinLnBrk="0" hangingPunct="1">
         <a:lnSpc>
           <a:spcPct val="90000"/>
         </a:lnSpc>
         <a:spcBef>
-          <a:spcPts val="600"/>
+          <a:spcPts val="333"/>
         </a:spcBef>
         <a:buFont typeface="Arial" panose="020B0604020202020204" pitchFamily="34" charset="0"/>
         <a:buChar char="•"/>
-        <a:defRPr sz="2880" kern="1200">
+        <a:defRPr sz="1600" kern="1200">
           <a:solidFill>
             <a:schemeClr val="tx1"/>
           </a:solidFill>
@@ -2725,16 +2728,16 @@
           <a:cs typeface="+mn-cs"/>
         </a:defRPr>
       </a:lvl2pPr>
-      <a:lvl3pPr marL="1371600" indent="-274320" algn="l" defTabSz="1097280" rtl="0" eaLnBrk="1" latinLnBrk="0" hangingPunct="1">
+      <a:lvl3pPr marL="762038" indent="-152408" algn="l" defTabSz="609630" rtl="0" eaLnBrk="1" latinLnBrk="0" hangingPunct="1">
         <a:lnSpc>
           <a:spcPct val="90000"/>
         </a:lnSpc>
         <a:spcBef>
-          <a:spcPts val="600"/>
+          <a:spcPts val="333"/>
         </a:spcBef>
         <a:buFont typeface="Arial" panose="020B0604020202020204" pitchFamily="34" charset="0"/>
         <a:buChar char="•"/>
-        <a:defRPr sz="2400" kern="1200">
+        <a:defRPr sz="1333" kern="1200">
           <a:solidFill>
             <a:schemeClr val="tx1"/>
           </a:solidFill>
@@ -2743,16 +2746,16 @@
           <a:cs typeface="+mn-cs"/>
         </a:defRPr>
       </a:lvl3pPr>
-      <a:lvl4pPr marL="1920240" indent="-274320" algn="l" defTabSz="1097280" rtl="0" eaLnBrk="1" latinLnBrk="0" hangingPunct="1">
+      <a:lvl4pPr marL="1066853" indent="-152408" algn="l" defTabSz="609630" rtl="0" eaLnBrk="1" latinLnBrk="0" hangingPunct="1">
         <a:lnSpc>
           <a:spcPct val="90000"/>
         </a:lnSpc>
         <a:spcBef>
-          <a:spcPts val="600"/>
+          <a:spcPts val="333"/>
         </a:spcBef>
         <a:buFont typeface="Arial" panose="020B0604020202020204" pitchFamily="34" charset="0"/>
         <a:buChar char="•"/>
-        <a:defRPr sz="2160" kern="1200">
+        <a:defRPr sz="1200" kern="1200">
           <a:solidFill>
             <a:schemeClr val="tx1"/>
           </a:solidFill>
@@ -2761,16 +2764,16 @@
           <a:cs typeface="+mn-cs"/>
         </a:defRPr>
       </a:lvl4pPr>
-      <a:lvl5pPr marL="2468880" indent="-274320" algn="l" defTabSz="1097280" rtl="0" eaLnBrk="1" latinLnBrk="0" hangingPunct="1">
+      <a:lvl5pPr marL="1371669" indent="-152408" algn="l" defTabSz="609630" rtl="0" eaLnBrk="1" latinLnBrk="0" hangingPunct="1">
         <a:lnSpc>
           <a:spcPct val="90000"/>
         </a:lnSpc>
         <a:spcBef>
-          <a:spcPts val="600"/>
+          <a:spcPts val="333"/>
         </a:spcBef>
         <a:buFont typeface="Arial" panose="020B0604020202020204" pitchFamily="34" charset="0"/>
         <a:buChar char="•"/>
-        <a:defRPr sz="2160" kern="1200">
+        <a:defRPr sz="1200" kern="1200">
           <a:solidFill>
             <a:schemeClr val="tx1"/>
           </a:solidFill>
@@ -2779,16 +2782,16 @@
           <a:cs typeface="+mn-cs"/>
         </a:defRPr>
       </a:lvl5pPr>
-      <a:lvl6pPr marL="3017520" indent="-274320" algn="l" defTabSz="1097280" rtl="0" eaLnBrk="1" latinLnBrk="0" hangingPunct="1">
+      <a:lvl6pPr marL="1676484" indent="-152408" algn="l" defTabSz="609630" rtl="0" eaLnBrk="1" latinLnBrk="0" hangingPunct="1">
         <a:lnSpc>
           <a:spcPct val="90000"/>
         </a:lnSpc>
         <a:spcBef>
-          <a:spcPts val="600"/>
+          <a:spcPts val="333"/>
         </a:spcBef>
         <a:buFont typeface="Arial" panose="020B0604020202020204" pitchFamily="34" charset="0"/>
         <a:buChar char="•"/>
-        <a:defRPr sz="2160" kern="1200">
+        <a:defRPr sz="1200" kern="1200">
           <a:solidFill>
             <a:schemeClr val="tx1"/>
           </a:solidFill>
@@ -2797,16 +2800,16 @@
           <a:cs typeface="+mn-cs"/>
         </a:defRPr>
       </a:lvl6pPr>
-      <a:lvl7pPr marL="3566160" indent="-274320" algn="l" defTabSz="1097280" rtl="0" eaLnBrk="1" latinLnBrk="0" hangingPunct="1">
+      <a:lvl7pPr marL="1981299" indent="-152408" algn="l" defTabSz="609630" rtl="0" eaLnBrk="1" latinLnBrk="0" hangingPunct="1">
         <a:lnSpc>
           <a:spcPct val="90000"/>
         </a:lnSpc>
         <a:spcBef>
-          <a:spcPts val="600"/>
+          <a:spcPts val="333"/>
         </a:spcBef>
         <a:buFont typeface="Arial" panose="020B0604020202020204" pitchFamily="34" charset="0"/>
         <a:buChar char="•"/>
-        <a:defRPr sz="2160" kern="1200">
+        <a:defRPr sz="1200" kern="1200">
           <a:solidFill>
             <a:schemeClr val="tx1"/>
           </a:solidFill>
@@ -2815,16 +2818,16 @@
           <a:cs typeface="+mn-cs"/>
         </a:defRPr>
       </a:lvl7pPr>
-      <a:lvl8pPr marL="4114800" indent="-274320" algn="l" defTabSz="1097280" rtl="0" eaLnBrk="1" latinLnBrk="0" hangingPunct="1">
+      <a:lvl8pPr marL="2286114" indent="-152408" algn="l" defTabSz="609630" rtl="0" eaLnBrk="1" latinLnBrk="0" hangingPunct="1">
         <a:lnSpc>
           <a:spcPct val="90000"/>
         </a:lnSpc>
         <a:spcBef>
-          <a:spcPts val="600"/>
+          <a:spcPts val="333"/>
         </a:spcBef>
         <a:buFont typeface="Arial" panose="020B0604020202020204" pitchFamily="34" charset="0"/>
         <a:buChar char="•"/>
-        <a:defRPr sz="2160" kern="1200">
+        <a:defRPr sz="1200" kern="1200">
           <a:solidFill>
             <a:schemeClr val="tx1"/>
           </a:solidFill>
@@ -2833,16 +2836,16 @@
           <a:cs typeface="+mn-cs"/>
         </a:defRPr>
       </a:lvl8pPr>
-      <a:lvl9pPr marL="4663440" indent="-274320" algn="l" defTabSz="1097280" rtl="0" eaLnBrk="1" latinLnBrk="0" hangingPunct="1">
+      <a:lvl9pPr marL="2590930" indent="-152408" algn="l" defTabSz="609630" rtl="0" eaLnBrk="1" latinLnBrk="0" hangingPunct="1">
         <a:lnSpc>
           <a:spcPct val="90000"/>
         </a:lnSpc>
         <a:spcBef>
-          <a:spcPts val="600"/>
+          <a:spcPts val="333"/>
         </a:spcBef>
         <a:buFont typeface="Arial" panose="020B0604020202020204" pitchFamily="34" charset="0"/>
         <a:buChar char="•"/>
-        <a:defRPr sz="2160" kern="1200">
+        <a:defRPr sz="1200" kern="1200">
           <a:solidFill>
             <a:schemeClr val="tx1"/>
           </a:solidFill>
@@ -2856,8 +2859,8 @@
       <a:defPPr>
         <a:defRPr lang="en-US"/>
       </a:defPPr>
-      <a:lvl1pPr marL="0" algn="l" defTabSz="1097280" rtl="0" eaLnBrk="1" latinLnBrk="0" hangingPunct="1">
-        <a:defRPr sz="2160" kern="1200">
+      <a:lvl1pPr marL="0" algn="l" defTabSz="609630" rtl="0" eaLnBrk="1" latinLnBrk="0" hangingPunct="1">
+        <a:defRPr sz="1200" kern="1200">
           <a:solidFill>
             <a:schemeClr val="tx1"/>
           </a:solidFill>
@@ -2866,8 +2869,8 @@
           <a:cs typeface="+mn-cs"/>
         </a:defRPr>
       </a:lvl1pPr>
-      <a:lvl2pPr marL="548640" algn="l" defTabSz="1097280" rtl="0" eaLnBrk="1" latinLnBrk="0" hangingPunct="1">
-        <a:defRPr sz="2160" kern="1200">
+      <a:lvl2pPr marL="304815" algn="l" defTabSz="609630" rtl="0" eaLnBrk="1" latinLnBrk="0" hangingPunct="1">
+        <a:defRPr sz="1200" kern="1200">
           <a:solidFill>
             <a:schemeClr val="tx1"/>
           </a:solidFill>
@@ -2876,8 +2879,8 @@
           <a:cs typeface="+mn-cs"/>
         </a:defRPr>
       </a:lvl2pPr>
-      <a:lvl3pPr marL="1097280" algn="l" defTabSz="1097280" rtl="0" eaLnBrk="1" latinLnBrk="0" hangingPunct="1">
-        <a:defRPr sz="2160" kern="1200">
+      <a:lvl3pPr marL="609630" algn="l" defTabSz="609630" rtl="0" eaLnBrk="1" latinLnBrk="0" hangingPunct="1">
+        <a:defRPr sz="1200" kern="1200">
           <a:solidFill>
             <a:schemeClr val="tx1"/>
           </a:solidFill>
@@ -2886,8 +2889,8 @@
           <a:cs typeface="+mn-cs"/>
         </a:defRPr>
       </a:lvl3pPr>
-      <a:lvl4pPr marL="1645920" algn="l" defTabSz="1097280" rtl="0" eaLnBrk="1" latinLnBrk="0" hangingPunct="1">
-        <a:defRPr sz="2160" kern="1200">
+      <a:lvl4pPr marL="914446" algn="l" defTabSz="609630" rtl="0" eaLnBrk="1" latinLnBrk="0" hangingPunct="1">
+        <a:defRPr sz="1200" kern="1200">
           <a:solidFill>
             <a:schemeClr val="tx1"/>
           </a:solidFill>
@@ -2896,8 +2899,8 @@
           <a:cs typeface="+mn-cs"/>
         </a:defRPr>
       </a:lvl4pPr>
-      <a:lvl5pPr marL="2194560" algn="l" defTabSz="1097280" rtl="0" eaLnBrk="1" latinLnBrk="0" hangingPunct="1">
-        <a:defRPr sz="2160" kern="1200">
+      <a:lvl5pPr marL="1219261" algn="l" defTabSz="609630" rtl="0" eaLnBrk="1" latinLnBrk="0" hangingPunct="1">
+        <a:defRPr sz="1200" kern="1200">
           <a:solidFill>
             <a:schemeClr val="tx1"/>
           </a:solidFill>
@@ -2906,8 +2909,8 @@
           <a:cs typeface="+mn-cs"/>
         </a:defRPr>
       </a:lvl5pPr>
-      <a:lvl6pPr marL="2743200" algn="l" defTabSz="1097280" rtl="0" eaLnBrk="1" latinLnBrk="0" hangingPunct="1">
-        <a:defRPr sz="2160" kern="1200">
+      <a:lvl6pPr marL="1524076" algn="l" defTabSz="609630" rtl="0" eaLnBrk="1" latinLnBrk="0" hangingPunct="1">
+        <a:defRPr sz="1200" kern="1200">
           <a:solidFill>
             <a:schemeClr val="tx1"/>
           </a:solidFill>
@@ -2916,8 +2919,8 @@
           <a:cs typeface="+mn-cs"/>
         </a:defRPr>
       </a:lvl6pPr>
-      <a:lvl7pPr marL="3291840" algn="l" defTabSz="1097280" rtl="0" eaLnBrk="1" latinLnBrk="0" hangingPunct="1">
-        <a:defRPr sz="2160" kern="1200">
+      <a:lvl7pPr marL="1828891" algn="l" defTabSz="609630" rtl="0" eaLnBrk="1" latinLnBrk="0" hangingPunct="1">
+        <a:defRPr sz="1200" kern="1200">
           <a:solidFill>
             <a:schemeClr val="tx1"/>
           </a:solidFill>
@@ -2926,8 +2929,8 @@
           <a:cs typeface="+mn-cs"/>
         </a:defRPr>
       </a:lvl7pPr>
-      <a:lvl8pPr marL="3840480" algn="l" defTabSz="1097280" rtl="0" eaLnBrk="1" latinLnBrk="0" hangingPunct="1">
-        <a:defRPr sz="2160" kern="1200">
+      <a:lvl8pPr marL="2133707" algn="l" defTabSz="609630" rtl="0" eaLnBrk="1" latinLnBrk="0" hangingPunct="1">
+        <a:defRPr sz="1200" kern="1200">
           <a:solidFill>
             <a:schemeClr val="tx1"/>
           </a:solidFill>
@@ -2936,8 +2939,8 @@
           <a:cs typeface="+mn-cs"/>
         </a:defRPr>
       </a:lvl8pPr>
-      <a:lvl9pPr marL="4389120" algn="l" defTabSz="1097280" rtl="0" eaLnBrk="1" latinLnBrk="0" hangingPunct="1">
-        <a:defRPr sz="2160" kern="1200">
+      <a:lvl9pPr marL="2438522" algn="l" defTabSz="609630" rtl="0" eaLnBrk="1" latinLnBrk="0" hangingPunct="1">
+        <a:defRPr sz="1200" kern="1200">
           <a:solidFill>
             <a:schemeClr val="tx1"/>
           </a:solidFill>
@@ -2970,7 +2973,7 @@
       </p:grpSpPr>
       <p:pic>
         <p:nvPicPr>
-          <p:cNvPr id="6" name="Picture 5"/>
+          <p:cNvPr id="7" name="Picture 6"/>
           <p:cNvPicPr>
             <a:picLocks noChangeAspect="1"/>
           </p:cNvPicPr>
@@ -2984,14 +2987,113 @@
         </p:blipFill>
         <p:spPr>
           <a:xfrm>
-            <a:off x="3022380" y="419100"/>
-            <a:ext cx="8953500" cy="7391400"/>
+            <a:off x="30581" y="38381"/>
+            <a:ext cx="6704762" cy="4495238"/>
           </a:xfrm>
           <a:prstGeom prst="rect">
             <a:avLst/>
           </a:prstGeom>
         </p:spPr>
       </p:pic>
+      <p:sp>
+        <p:nvSpPr>
+          <p:cNvPr id="3" name="TextBox 2"/>
+          <p:cNvSpPr txBox="1"/>
+          <p:nvPr/>
+        </p:nvSpPr>
+        <p:spPr>
+          <a:xfrm>
+            <a:off x="351473" y="159665"/>
+            <a:ext cx="3377848" cy="2554545"/>
+          </a:xfrm>
+          <a:prstGeom prst="rect">
+            <a:avLst/>
+          </a:prstGeom>
+          <a:noFill/>
+        </p:spPr>
+        <p:txBody>
+          <a:bodyPr wrap="none" rtlCol="0">
+            <a:spAutoFit/>
+          </a:bodyPr>
+          <a:lstStyle/>
+          <a:p>
+            <a:r>
+              <a:rPr lang="en-US" sz="2000" b="1" dirty="0" smtClean="0">
+                <a:latin typeface="Arial" panose="020B0604020202020204" pitchFamily="34" charset="0"/>
+                <a:cs typeface="Arial" panose="020B0604020202020204" pitchFamily="34" charset="0"/>
+              </a:rPr>
+              <a:t>A                                        B</a:t>
+            </a:r>
+            <a:endParaRPr lang="en-US" sz="2000" b="1" dirty="0" smtClean="0">
+              <a:latin typeface="Arial" panose="020B0604020202020204" pitchFamily="34" charset="0"/>
+              <a:cs typeface="Arial" panose="020B0604020202020204" pitchFamily="34" charset="0"/>
+            </a:endParaRPr>
+          </a:p>
+          <a:p>
+            <a:endParaRPr lang="en-US" sz="2000" b="1" dirty="0" smtClean="0">
+              <a:latin typeface="Arial" panose="020B0604020202020204" pitchFamily="34" charset="0"/>
+              <a:cs typeface="Arial" panose="020B0604020202020204" pitchFamily="34" charset="0"/>
+            </a:endParaRPr>
+          </a:p>
+          <a:p>
+            <a:endParaRPr lang="en-US" sz="2000" b="1" dirty="0">
+              <a:latin typeface="Arial" panose="020B0604020202020204" pitchFamily="34" charset="0"/>
+              <a:cs typeface="Arial" panose="020B0604020202020204" pitchFamily="34" charset="0"/>
+            </a:endParaRPr>
+          </a:p>
+          <a:p>
+            <a:endParaRPr lang="en-US" sz="2000" b="1" dirty="0" smtClean="0">
+              <a:latin typeface="Arial" panose="020B0604020202020204" pitchFamily="34" charset="0"/>
+              <a:cs typeface="Arial" panose="020B0604020202020204" pitchFamily="34" charset="0"/>
+            </a:endParaRPr>
+          </a:p>
+          <a:p>
+            <a:endParaRPr lang="en-US" sz="2000" b="1" dirty="0">
+              <a:latin typeface="Arial" panose="020B0604020202020204" pitchFamily="34" charset="0"/>
+              <a:cs typeface="Arial" panose="020B0604020202020204" pitchFamily="34" charset="0"/>
+            </a:endParaRPr>
+          </a:p>
+          <a:p>
+            <a:endParaRPr lang="en-US" sz="2000" b="1" dirty="0" smtClean="0">
+              <a:latin typeface="Arial" panose="020B0604020202020204" pitchFamily="34" charset="0"/>
+              <a:cs typeface="Arial" panose="020B0604020202020204" pitchFamily="34" charset="0"/>
+            </a:endParaRPr>
+          </a:p>
+          <a:p>
+            <a:endParaRPr lang="en-US" sz="2000" b="1" dirty="0" smtClean="0">
+              <a:latin typeface="Arial" panose="020B0604020202020204" pitchFamily="34" charset="0"/>
+              <a:cs typeface="Arial" panose="020B0604020202020204" pitchFamily="34" charset="0"/>
+            </a:endParaRPr>
+          </a:p>
+          <a:p>
+            <a:r>
+              <a:rPr lang="en-US" sz="2000" b="1" dirty="0" smtClean="0">
+                <a:latin typeface="Arial" panose="020B0604020202020204" pitchFamily="34" charset="0"/>
+                <a:cs typeface="Arial" panose="020B0604020202020204" pitchFamily="34" charset="0"/>
+              </a:rPr>
+              <a:t>C</a:t>
+            </a:r>
+            <a:r>
+              <a:rPr lang="en-US" sz="2000" b="1" dirty="0">
+                <a:latin typeface="Arial" panose="020B0604020202020204" pitchFamily="34" charset="0"/>
+                <a:cs typeface="Arial" panose="020B0604020202020204" pitchFamily="34" charset="0"/>
+              </a:rPr>
+              <a:t> </a:t>
+            </a:r>
+            <a:r>
+              <a:rPr lang="en-US" sz="2000" b="1" dirty="0" smtClean="0">
+                <a:latin typeface="Arial" panose="020B0604020202020204" pitchFamily="34" charset="0"/>
+                <a:cs typeface="Arial" panose="020B0604020202020204" pitchFamily="34" charset="0"/>
+              </a:rPr>
+              <a:t>                                       D</a:t>
+            </a:r>
+            <a:endParaRPr lang="en-US" sz="2000" b="1" dirty="0">
+              <a:latin typeface="Arial" panose="020B0604020202020204" pitchFamily="34" charset="0"/>
+              <a:cs typeface="Arial" panose="020B0604020202020204" pitchFamily="34" charset="0"/>
+            </a:endParaRPr>
+          </a:p>
+        </p:txBody>
+      </p:sp>
     </p:spTree>
     <p:extLst>
       <p:ext uri="{BB962C8B-B14F-4D97-AF65-F5344CB8AC3E}">
